--- a/Presentation/pSAM.pptx
+++ b/Presentation/pSAM.pptx
@@ -108,6 +108,11 @@
       </a:defRPr>
     </a:lvl9pPr>
   </p:defaultTextStyle>
+  <p:extLst>
+    <p:ext uri="{EFAFB233-063F-42B5-8137-9DF3F51BA10A}">
+      <p15:sldGuideLst xmlns:p15="http://schemas.microsoft.com/office/powerpoint/2012/main"/>
+    </p:ext>
+  </p:extLst>
 </p:presentation>
 </file>
 
@@ -258,7 +263,7 @@
           <a:p>
             <a:fld id="{32828663-A28F-48A5-8694-08C2586E19EA}" type="datetimeFigureOut">
               <a:rPr lang="en-US" smtClean="0"/>
-              <a:t>1/20/2025</a:t>
+              <a:t>1/24/2025</a:t>
             </a:fld>
             <a:endParaRPr lang="en-US"/>
           </a:p>
@@ -456,7 +461,7 @@
           <a:p>
             <a:fld id="{32828663-A28F-48A5-8694-08C2586E19EA}" type="datetimeFigureOut">
               <a:rPr lang="en-US" smtClean="0"/>
-              <a:t>1/20/2025</a:t>
+              <a:t>1/24/2025</a:t>
             </a:fld>
             <a:endParaRPr lang="en-US"/>
           </a:p>
@@ -664,7 +669,7 @@
           <a:p>
             <a:fld id="{32828663-A28F-48A5-8694-08C2586E19EA}" type="datetimeFigureOut">
               <a:rPr lang="en-US" smtClean="0"/>
-              <a:t>1/20/2025</a:t>
+              <a:t>1/24/2025</a:t>
             </a:fld>
             <a:endParaRPr lang="en-US"/>
           </a:p>
@@ -862,7 +867,7 @@
           <a:p>
             <a:fld id="{32828663-A28F-48A5-8694-08C2586E19EA}" type="datetimeFigureOut">
               <a:rPr lang="en-US" smtClean="0"/>
-              <a:t>1/20/2025</a:t>
+              <a:t>1/24/2025</a:t>
             </a:fld>
             <a:endParaRPr lang="en-US"/>
           </a:p>
@@ -1137,7 +1142,7 @@
           <a:p>
             <a:fld id="{32828663-A28F-48A5-8694-08C2586E19EA}" type="datetimeFigureOut">
               <a:rPr lang="en-US" smtClean="0"/>
-              <a:t>1/20/2025</a:t>
+              <a:t>1/24/2025</a:t>
             </a:fld>
             <a:endParaRPr lang="en-US"/>
           </a:p>
@@ -1402,7 +1407,7 @@
           <a:p>
             <a:fld id="{32828663-A28F-48A5-8694-08C2586E19EA}" type="datetimeFigureOut">
               <a:rPr lang="en-US" smtClean="0"/>
-              <a:t>1/20/2025</a:t>
+              <a:t>1/24/2025</a:t>
             </a:fld>
             <a:endParaRPr lang="en-US"/>
           </a:p>
@@ -1814,7 +1819,7 @@
           <a:p>
             <a:fld id="{32828663-A28F-48A5-8694-08C2586E19EA}" type="datetimeFigureOut">
               <a:rPr lang="en-US" smtClean="0"/>
-              <a:t>1/20/2025</a:t>
+              <a:t>1/24/2025</a:t>
             </a:fld>
             <a:endParaRPr lang="en-US"/>
           </a:p>
@@ -1955,7 +1960,7 @@
           <a:p>
             <a:fld id="{32828663-A28F-48A5-8694-08C2586E19EA}" type="datetimeFigureOut">
               <a:rPr lang="en-US" smtClean="0"/>
-              <a:t>1/20/2025</a:t>
+              <a:t>1/24/2025</a:t>
             </a:fld>
             <a:endParaRPr lang="en-US"/>
           </a:p>
@@ -2068,7 +2073,7 @@
           <a:p>
             <a:fld id="{32828663-A28F-48A5-8694-08C2586E19EA}" type="datetimeFigureOut">
               <a:rPr lang="en-US" smtClean="0"/>
-              <a:t>1/20/2025</a:t>
+              <a:t>1/24/2025</a:t>
             </a:fld>
             <a:endParaRPr lang="en-US"/>
           </a:p>
@@ -2379,7 +2384,7 @@
           <a:p>
             <a:fld id="{32828663-A28F-48A5-8694-08C2586E19EA}" type="datetimeFigureOut">
               <a:rPr lang="en-US" smtClean="0"/>
-              <a:t>1/20/2025</a:t>
+              <a:t>1/24/2025</a:t>
             </a:fld>
             <a:endParaRPr lang="en-US"/>
           </a:p>
@@ -2667,7 +2672,7 @@
           <a:p>
             <a:fld id="{32828663-A28F-48A5-8694-08C2586E19EA}" type="datetimeFigureOut">
               <a:rPr lang="en-US" smtClean="0"/>
-              <a:t>1/20/2025</a:t>
+              <a:t>1/24/2025</a:t>
             </a:fld>
             <a:endParaRPr lang="en-US"/>
           </a:p>
@@ -2908,7 +2913,7 @@
           <a:p>
             <a:fld id="{32828663-A28F-48A5-8694-08C2586E19EA}" type="datetimeFigureOut">
               <a:rPr lang="en-US" smtClean="0"/>
-              <a:t>1/20/2025</a:t>
+              <a:t>1/24/2025</a:t>
             </a:fld>
             <a:endParaRPr lang="en-US"/>
           </a:p>
@@ -3602,7 +3607,7 @@
             </a:pPr>
             <a:r>
               <a:rPr lang="en-US" sz="1800" dirty="0"/>
-              <a:t>NA of 40x objective on dragonfly?</a:t>
+              <a:t>NA of 40x objective on dragonfly? ()</a:t>
             </a:r>
           </a:p>
           <a:p>
@@ -3622,7 +3627,7 @@
             </a:pPr>
             <a:r>
               <a:rPr lang="en-US" sz="1800" dirty="0"/>
-              <a:t>What made you want to classify cells by compartment and not combine different compartments into one cell classification?</a:t>
+              <a:t>What made you want to classify cells by compartment and not combine different compartments into one cell classification? Or make a 2 layer class system (spectra and spatial)</a:t>
             </a:r>
           </a:p>
           <a:p>
@@ -3640,7 +3645,7 @@
             </a:r>
             <a:r>
               <a:rPr lang="en-US" sz="1800" dirty="0"/>
-              <a:t> to expand it out while giving some grey levels and not just 0,1 values? Effectively add gaussian roll off to mask border edges?</a:t>
+              <a:t> to expand it out while giving some grey levels and not just 0,1 values? Effectively add gaussian roll off to mask border edges? (true decay values)</a:t>
             </a:r>
           </a:p>
           <a:p>
